--- a/Calendario2021/CISCO/Capitulo4.pptx
+++ b/Calendario2021/CISCO/Capitulo4.pptx
@@ -759,7 +759,7 @@
               </a14:hiddenFill>
             </a:ext>
             <a:ext uri="{FAA26D3D-D897-4be2-8F04-BA451C77F1D7}">
-              <ma14:placeholderFlag xmlns="" xmlns:o="urn:schemas-microsoft-com:office:office" xmlns:v="urn:schemas-microsoft-com:vml" xmlns:wp="http://schemas.openxmlformats.org/drawingml/2006/powerpointprocessingDrawing" xmlns:wne="http://schemas.microsoft.com/office/powerpoint/2006/powerpointml" xmlns:cdr="http://schemas.openxmlformats.org/drawingml/2006/chartDrawing" xmlns:dgm="http://schemas.openxmlformats.org/drawingml/2006/diagram" xmlns:c="http://schemas.openxmlformats.org/drawingml/2006/chart" xmlns:a14="http://schemas.microsoft.com/office/drawing/2010/main" xmlns:mc="http://schemas.openxmlformats.org/markup-compatibility/2006" xmlns:ma14="http://schemas.microsoft.com/office/mac/drawingml/2011/main" val="1"/>
+              <ma14:placeholderFlag xmlns:ma14="http://schemas.microsoft.com/office/mac/drawingml/2011/main" xmlns:mc="http://schemas.openxmlformats.org/markup-compatibility/2006" xmlns:a14="http://schemas.microsoft.com/office/drawing/2010/main" xmlns:c="http://schemas.openxmlformats.org/drawingml/2006/chart" xmlns:dgm="http://schemas.openxmlformats.org/drawingml/2006/diagram" xmlns:cdr="http://schemas.openxmlformats.org/drawingml/2006/chartDrawing" xmlns:wne="http://schemas.microsoft.com/office/powerpoint/2006/powerpointml" xmlns:wp="http://schemas.openxmlformats.org/drawingml/2006/powerpointprocessingDrawing" xmlns:v="urn:schemas-microsoft-com:vml" xmlns:o="urn:schemas-microsoft-com:office:office" xmlns="" val="1"/>
             </a:ext>
           </a:extLst>
         </p:spPr>
@@ -9581,7 +9581,7 @@
               </a14:hiddenLine>
             </a:ext>
             <a:ext uri="{FAA26D3D-D897-4be2-8F04-BA451C77F1D7}">
-              <ma14:placeholderFlag xmlns="" xmlns:o="urn:schemas-microsoft-com:office:office" xmlns:v="urn:schemas-microsoft-com:vml" xmlns:wp="http://schemas.openxmlformats.org/drawingml/2006/powerpointprocessingDrawing" xmlns:wne="http://schemas.microsoft.com/office/powerpoint/2006/powerpointml" xmlns:cdr="http://schemas.openxmlformats.org/drawingml/2006/chartDrawing" xmlns:dgm="http://schemas.openxmlformats.org/drawingml/2006/diagram" xmlns:c="http://schemas.openxmlformats.org/drawingml/2006/chart" xmlns:a14="http://schemas.microsoft.com/office/drawing/2010/main" xmlns:mc="http://schemas.openxmlformats.org/markup-compatibility/2006" xmlns:ma14="http://schemas.microsoft.com/office/mac/drawingml/2011/main" val="1"/>
+              <ma14:placeholderFlag xmlns:ma14="http://schemas.microsoft.com/office/mac/drawingml/2011/main" xmlns:mc="http://schemas.openxmlformats.org/markup-compatibility/2006" xmlns:a14="http://schemas.microsoft.com/office/drawing/2010/main" xmlns:c="http://schemas.openxmlformats.org/drawingml/2006/chart" xmlns:dgm="http://schemas.openxmlformats.org/drawingml/2006/diagram" xmlns:cdr="http://schemas.openxmlformats.org/drawingml/2006/chartDrawing" xmlns:wne="http://schemas.microsoft.com/office/powerpoint/2006/powerpointml" xmlns:wp="http://schemas.openxmlformats.org/drawingml/2006/powerpointprocessingDrawing" xmlns:v="urn:schemas-microsoft-com:vml" xmlns:o="urn:schemas-microsoft-com:office:office" xmlns="" val="1"/>
             </a:ext>
           </a:extLst>
         </p:spPr>
@@ -9791,7 +9791,7 @@
               </a14:hiddenLine>
             </a:ext>
             <a:ext uri="{FAA26D3D-D897-4be2-8F04-BA451C77F1D7}">
-              <ma14:placeholderFlag xmlns="" xmlns:o="urn:schemas-microsoft-com:office:office" xmlns:v="urn:schemas-microsoft-com:vml" xmlns:wp="http://schemas.openxmlformats.org/drawingml/2006/powerpointprocessingDrawing" xmlns:wne="http://schemas.microsoft.com/office/powerpoint/2006/powerpointml" xmlns:cdr="http://schemas.openxmlformats.org/drawingml/2006/chartDrawing" xmlns:dgm="http://schemas.openxmlformats.org/drawingml/2006/diagram" xmlns:c="http://schemas.openxmlformats.org/drawingml/2006/chart" xmlns:a14="http://schemas.microsoft.com/office/drawing/2010/main" xmlns:mc="http://schemas.openxmlformats.org/markup-compatibility/2006" xmlns:ma14="http://schemas.microsoft.com/office/mac/drawingml/2011/main" val="1"/>
+              <ma14:placeholderFlag xmlns:ma14="http://schemas.microsoft.com/office/mac/drawingml/2011/main" xmlns:mc="http://schemas.openxmlformats.org/markup-compatibility/2006" xmlns:a14="http://schemas.microsoft.com/office/drawing/2010/main" xmlns:c="http://schemas.openxmlformats.org/drawingml/2006/chart" xmlns:dgm="http://schemas.openxmlformats.org/drawingml/2006/diagram" xmlns:cdr="http://schemas.openxmlformats.org/drawingml/2006/chartDrawing" xmlns:wne="http://schemas.microsoft.com/office/powerpoint/2006/powerpointml" xmlns:wp="http://schemas.openxmlformats.org/drawingml/2006/powerpointprocessingDrawing" xmlns:v="urn:schemas-microsoft-com:vml" xmlns:o="urn:schemas-microsoft-com:office:office" xmlns="" val="1"/>
             </a:ext>
           </a:extLst>
         </p:spPr>
@@ -10555,7 +10555,7 @@
               </a14:hiddenLine>
             </a:ext>
             <a:ext uri="{FAA26D3D-D897-4be2-8F04-BA451C77F1D7}">
-              <ma14:placeholderFlag xmlns="" xmlns:o="urn:schemas-microsoft-com:office:office" xmlns:v="urn:schemas-microsoft-com:vml" xmlns:wp="http://schemas.openxmlformats.org/drawingml/2006/powerpointprocessingDrawing" xmlns:wne="http://schemas.microsoft.com/office/powerpoint/2006/powerpointml" xmlns:cdr="http://schemas.openxmlformats.org/drawingml/2006/chartDrawing" xmlns:dgm="http://schemas.openxmlformats.org/drawingml/2006/diagram" xmlns:c="http://schemas.openxmlformats.org/drawingml/2006/chart" xmlns:a14="http://schemas.microsoft.com/office/drawing/2010/main" xmlns:mc="http://schemas.openxmlformats.org/markup-compatibility/2006" xmlns:ma14="http://schemas.microsoft.com/office/mac/drawingml/2011/main" val="1"/>
+              <ma14:placeholderFlag xmlns:ma14="http://schemas.microsoft.com/office/mac/drawingml/2011/main" xmlns:mc="http://schemas.openxmlformats.org/markup-compatibility/2006" xmlns:a14="http://schemas.microsoft.com/office/drawing/2010/main" xmlns:c="http://schemas.openxmlformats.org/drawingml/2006/chart" xmlns:dgm="http://schemas.openxmlformats.org/drawingml/2006/diagram" xmlns:cdr="http://schemas.openxmlformats.org/drawingml/2006/chartDrawing" xmlns:wne="http://schemas.microsoft.com/office/powerpoint/2006/powerpointml" xmlns:wp="http://schemas.openxmlformats.org/drawingml/2006/powerpointprocessingDrawing" xmlns:v="urn:schemas-microsoft-com:vml" xmlns:o="urn:schemas-microsoft-com:office:office" xmlns="" val="1"/>
             </a:ext>
           </a:extLst>
         </p:spPr>
@@ -10750,7 +10750,7 @@
               </a14:hiddenLine>
             </a:ext>
             <a:ext uri="{FAA26D3D-D897-4be2-8F04-BA451C77F1D7}">
-              <ma14:placeholderFlag xmlns="" xmlns:o="urn:schemas-microsoft-com:office:office" xmlns:v="urn:schemas-microsoft-com:vml" xmlns:wp="http://schemas.openxmlformats.org/drawingml/2006/powerpointprocessingDrawing" xmlns:wne="http://schemas.microsoft.com/office/powerpoint/2006/powerpointml" xmlns:cdr="http://schemas.openxmlformats.org/drawingml/2006/chartDrawing" xmlns:dgm="http://schemas.openxmlformats.org/drawingml/2006/diagram" xmlns:c="http://schemas.openxmlformats.org/drawingml/2006/chart" xmlns:a14="http://schemas.microsoft.com/office/drawing/2010/main" xmlns:mc="http://schemas.openxmlformats.org/markup-compatibility/2006" xmlns:ma14="http://schemas.microsoft.com/office/mac/drawingml/2011/main" val="1"/>
+              <ma14:placeholderFlag xmlns:ma14="http://schemas.microsoft.com/office/mac/drawingml/2011/main" xmlns:mc="http://schemas.openxmlformats.org/markup-compatibility/2006" xmlns:a14="http://schemas.microsoft.com/office/drawing/2010/main" xmlns:c="http://schemas.openxmlformats.org/drawingml/2006/chart" xmlns:dgm="http://schemas.openxmlformats.org/drawingml/2006/diagram" xmlns:cdr="http://schemas.openxmlformats.org/drawingml/2006/chartDrawing" xmlns:wne="http://schemas.microsoft.com/office/powerpoint/2006/powerpointml" xmlns:wp="http://schemas.openxmlformats.org/drawingml/2006/powerpointprocessingDrawing" xmlns:v="urn:schemas-microsoft-com:vml" xmlns:o="urn:schemas-microsoft-com:office:office" xmlns="" val="1"/>
             </a:ext>
           </a:extLst>
         </p:spPr>
@@ -11668,7 +11668,7 @@
         </p:nvSpPr>
         <p:spPr>
           <a:xfrm>
-            <a:off x="193868" y="691639"/>
+            <a:off x="588150" y="1119478"/>
             <a:ext cx="8772157" cy="838200"/>
           </a:xfrm>
         </p:spPr>
@@ -11715,7 +11715,7 @@
         </p:nvSpPr>
         <p:spPr>
           <a:xfrm>
-            <a:off x="343252" y="1873044"/>
+            <a:off x="660285" y="2200215"/>
             <a:ext cx="8343548" cy="4468761"/>
           </a:xfrm>
         </p:spPr>
@@ -12030,7 +12030,7 @@
         </p:nvSpPr>
         <p:spPr>
           <a:xfrm>
-            <a:off x="193868" y="396000"/>
+            <a:off x="279581" y="727890"/>
             <a:ext cx="8772157" cy="838200"/>
           </a:xfrm>
         </p:spPr>
@@ -12144,7 +12144,7 @@
         </p:nvSpPr>
         <p:spPr>
           <a:xfrm>
-            <a:off x="194400" y="396000"/>
+            <a:off x="299007" y="823838"/>
             <a:ext cx="8772157" cy="838200"/>
           </a:xfrm>
         </p:spPr>
@@ -12191,8 +12191,8 @@
         </p:nvSpPr>
         <p:spPr>
           <a:xfrm>
-            <a:off x="299007" y="2286000"/>
-            <a:ext cx="2688742" cy="3967316"/>
+            <a:off x="299006" y="2066846"/>
+            <a:ext cx="2863643" cy="3967316"/>
           </a:xfrm>
         </p:spPr>
         <p:txBody>
@@ -12262,7 +12262,7 @@
         </p:blipFill>
         <p:spPr bwMode="auto">
           <a:xfrm>
-            <a:off x="3084256" y="2055404"/>
+            <a:off x="3253438" y="1745012"/>
             <a:ext cx="5600698" cy="3838575"/>
           </a:xfrm>
           <a:prstGeom prst="rect">
@@ -12338,7 +12338,7 @@
         </p:nvSpPr>
         <p:spPr>
           <a:xfrm>
-            <a:off x="194400" y="396000"/>
+            <a:off x="371843" y="809626"/>
             <a:ext cx="8772157" cy="838200"/>
           </a:xfrm>
         </p:spPr>
@@ -12385,7 +12385,7 @@
         </p:nvSpPr>
         <p:spPr>
           <a:xfrm>
-            <a:off x="299007" y="2286000"/>
+            <a:off x="305615" y="2143124"/>
             <a:ext cx="2785248" cy="3905250"/>
           </a:xfrm>
         </p:spPr>
@@ -12717,7 +12717,12 @@
             <p:ph type="title"/>
           </p:nvPr>
         </p:nvSpPr>
-        <p:spPr/>
+        <p:spPr>
+          <a:xfrm>
+            <a:off x="604928" y="721938"/>
+            <a:ext cx="8772157" cy="838200"/>
+          </a:xfrm>
+        </p:spPr>
         <p:txBody>
           <a:bodyPr/>
           <a:lstStyle/>
@@ -12757,7 +12762,7 @@
         </p:nvSpPr>
         <p:spPr>
           <a:xfrm>
-            <a:off x="195768" y="1504337"/>
+            <a:off x="447438" y="1990899"/>
             <a:ext cx="4717196" cy="4408266"/>
           </a:xfrm>
         </p:spPr>
@@ -12823,7 +12828,7 @@
         </p:blipFill>
         <p:spPr bwMode="auto">
           <a:xfrm>
-            <a:off x="5380704" y="1401096"/>
+            <a:off x="5280035" y="1661154"/>
             <a:ext cx="3014202" cy="4055808"/>
           </a:xfrm>
           <a:prstGeom prst="rect">
@@ -12899,7 +12904,7 @@
         </p:nvSpPr>
         <p:spPr>
           <a:xfrm>
-            <a:off x="193868" y="394392"/>
+            <a:off x="395887" y="671228"/>
             <a:ext cx="8748113" cy="838200"/>
           </a:xfrm>
         </p:spPr>
@@ -12952,7 +12957,7 @@
         </p:blipFill>
         <p:spPr>
           <a:xfrm>
-            <a:off x="1890549" y="1750499"/>
+            <a:off x="2037237" y="1951834"/>
             <a:ext cx="5069525" cy="4137023"/>
           </a:xfrm>
           <a:prstGeom prst="rect">
@@ -13132,7 +13137,12 @@
             <p:ph type="title"/>
           </p:nvPr>
         </p:nvSpPr>
-        <p:spPr/>
+        <p:spPr>
+          <a:xfrm>
+            <a:off x="593975" y="774439"/>
+            <a:ext cx="8772157" cy="838200"/>
+          </a:xfrm>
+        </p:spPr>
         <p:txBody>
           <a:bodyPr/>
           <a:lstStyle/>
@@ -13304,7 +13314,12 @@
             <p:ph type="title"/>
           </p:nvPr>
         </p:nvSpPr>
-        <p:spPr/>
+        <p:spPr>
+          <a:xfrm>
+            <a:off x="521039" y="792111"/>
+            <a:ext cx="8772157" cy="838200"/>
+          </a:xfrm>
+        </p:spPr>
         <p:txBody>
           <a:bodyPr/>
           <a:lstStyle/>
@@ -13467,7 +13482,12 @@
             <p:ph type="title"/>
           </p:nvPr>
         </p:nvSpPr>
-        <p:spPr/>
+        <p:spPr>
+          <a:xfrm>
+            <a:off x="437149" y="713173"/>
+            <a:ext cx="8772157" cy="838200"/>
+          </a:xfrm>
+        </p:spPr>
         <p:txBody>
           <a:bodyPr/>
           <a:lstStyle/>
